--- a/Questions.pptx
+++ b/Questions.pptx
@@ -201,7 +201,7 @@
           <a:p>
             <a:fld id="{33ABA4BF-29A8-DD47-8DC6-803A1BB54C4B}" type="datetimeFigureOut">
               <a:rPr lang="en-US" smtClean="0"/>
-              <a:t>1/20/15</a:t>
+              <a:t>1/21/15</a:t>
             </a:fld>
             <a:endParaRPr lang="en-US"/>
           </a:p>
@@ -734,7 +734,7 @@
           <a:p>
             <a:fld id="{BDFC4106-89B3-F646-81A3-DABEBDFA2103}" type="datetimeFigureOut">
               <a:rPr lang="en-US" smtClean="0"/>
-              <a:t>1/20/15</a:t>
+              <a:t>1/21/15</a:t>
             </a:fld>
             <a:endParaRPr lang="en-US"/>
           </a:p>
@@ -904,7 +904,7 @@
           <a:p>
             <a:fld id="{BDFC4106-89B3-F646-81A3-DABEBDFA2103}" type="datetimeFigureOut">
               <a:rPr lang="en-US" smtClean="0"/>
-              <a:t>1/20/15</a:t>
+              <a:t>1/21/15</a:t>
             </a:fld>
             <a:endParaRPr lang="en-US"/>
           </a:p>
@@ -1084,7 +1084,7 @@
           <a:p>
             <a:fld id="{BDFC4106-89B3-F646-81A3-DABEBDFA2103}" type="datetimeFigureOut">
               <a:rPr lang="en-US" smtClean="0"/>
-              <a:t>1/20/15</a:t>
+              <a:t>1/21/15</a:t>
             </a:fld>
             <a:endParaRPr lang="en-US"/>
           </a:p>
@@ -1254,7 +1254,7 @@
           <a:p>
             <a:fld id="{BDFC4106-89B3-F646-81A3-DABEBDFA2103}" type="datetimeFigureOut">
               <a:rPr lang="en-US" smtClean="0"/>
-              <a:t>1/20/15</a:t>
+              <a:t>1/21/15</a:t>
             </a:fld>
             <a:endParaRPr lang="en-US"/>
           </a:p>
@@ -1500,7 +1500,7 @@
           <a:p>
             <a:fld id="{BDFC4106-89B3-F646-81A3-DABEBDFA2103}" type="datetimeFigureOut">
               <a:rPr lang="en-US" smtClean="0"/>
-              <a:t>1/20/15</a:t>
+              <a:t>1/21/15</a:t>
             </a:fld>
             <a:endParaRPr lang="en-US"/>
           </a:p>
@@ -1788,7 +1788,7 @@
           <a:p>
             <a:fld id="{BDFC4106-89B3-F646-81A3-DABEBDFA2103}" type="datetimeFigureOut">
               <a:rPr lang="en-US" smtClean="0"/>
-              <a:t>1/20/15</a:t>
+              <a:t>1/21/15</a:t>
             </a:fld>
             <a:endParaRPr lang="en-US"/>
           </a:p>
@@ -2210,7 +2210,7 @@
           <a:p>
             <a:fld id="{BDFC4106-89B3-F646-81A3-DABEBDFA2103}" type="datetimeFigureOut">
               <a:rPr lang="en-US" smtClean="0"/>
-              <a:t>1/20/15</a:t>
+              <a:t>1/21/15</a:t>
             </a:fld>
             <a:endParaRPr lang="en-US"/>
           </a:p>
@@ -2328,7 +2328,7 @@
           <a:p>
             <a:fld id="{BDFC4106-89B3-F646-81A3-DABEBDFA2103}" type="datetimeFigureOut">
               <a:rPr lang="en-US" smtClean="0"/>
-              <a:t>1/20/15</a:t>
+              <a:t>1/21/15</a:t>
             </a:fld>
             <a:endParaRPr lang="en-US"/>
           </a:p>
@@ -2423,7 +2423,7 @@
           <a:p>
             <a:fld id="{BDFC4106-89B3-F646-81A3-DABEBDFA2103}" type="datetimeFigureOut">
               <a:rPr lang="en-US" smtClean="0"/>
-              <a:t>1/20/15</a:t>
+              <a:t>1/21/15</a:t>
             </a:fld>
             <a:endParaRPr lang="en-US"/>
           </a:p>
@@ -2700,7 +2700,7 @@
           <a:p>
             <a:fld id="{BDFC4106-89B3-F646-81A3-DABEBDFA2103}" type="datetimeFigureOut">
               <a:rPr lang="en-US" smtClean="0"/>
-              <a:t>1/20/15</a:t>
+              <a:t>1/21/15</a:t>
             </a:fld>
             <a:endParaRPr lang="en-US"/>
           </a:p>
@@ -2953,7 +2953,7 @@
           <a:p>
             <a:fld id="{BDFC4106-89B3-F646-81A3-DABEBDFA2103}" type="datetimeFigureOut">
               <a:rPr lang="en-US" smtClean="0"/>
-              <a:t>1/20/15</a:t>
+              <a:t>1/21/15</a:t>
             </a:fld>
             <a:endParaRPr lang="en-US"/>
           </a:p>
@@ -3166,7 +3166,7 @@
           <a:p>
             <a:fld id="{BDFC4106-89B3-F646-81A3-DABEBDFA2103}" type="datetimeFigureOut">
               <a:rPr lang="en-US" smtClean="0"/>
-              <a:t>1/20/15</a:t>
+              <a:t>1/21/15</a:t>
             </a:fld>
             <a:endParaRPr lang="en-US"/>
           </a:p>
@@ -3581,15 +3581,12 @@
           <a:p>
             <a:r>
               <a:rPr lang="en-US" dirty="0" smtClean="0"/>
-              <a:t>Andrew Bachman</a:t>
-            </a:r>
-          </a:p>
-          <a:p>
+              <a:t>Andrew </a:t>
+            </a:r>
             <a:r>
               <a:rPr lang="en-US" dirty="0" smtClean="0"/>
-              <a:t>Brew Better LLC</a:t>
-            </a:r>
-            <a:endParaRPr lang="en-US" dirty="0"/>
+              <a:t>Bachman</a:t>
+            </a:r>
           </a:p>
         </p:txBody>
       </p:sp>
@@ -4136,11 +4133,7 @@
           <a:p>
             <a:r>
               <a:rPr lang="en-US" dirty="0" smtClean="0"/>
-              <a:t>Suggest coffees based on your preferences and the preferences of people with similar tasting histories to </a:t>
-            </a:r>
-            <a:r>
-              <a:rPr lang="en-US" dirty="0" smtClean="0"/>
-              <a:t>you</a:t>
+              <a:t>Suggest coffees based on your preferences and the preferences of people with similar tasting histories to you</a:t>
             </a:r>
           </a:p>
           <a:p>
